--- a/ppt 16-9/0921.送别歌.pptx
+++ b/ppt 16-9/0921.送别歌.pptx
@@ -5,7 +5,7 @@
     <p:sldMasterId id="2147483648" r:id="rId1"/>
   </p:sldMasterIdLst>
   <p:sldIdLst>
-    <p:sldId id="284" r:id="rId2"/>
+    <p:sldId id="286" r:id="rId2"/>
   </p:sldIdLst>
   <p:sldSz cx="12192000" cy="6858000"/>
   <p:notesSz cx="6858000" cy="9144000"/>
@@ -129,7 +129,7 @@
           <p:cNvPr id="2" name="标题 1">
             <a:extLst>
               <a:ext uri="{FF2B5EF4-FFF2-40B4-BE49-F238E27FC236}">
-                <a16:creationId xmlns:a16="http://schemas.microsoft.com/office/drawing/2014/main" id="{ECA544C9-085A-8D29-AF97-3201A79D2275}"/>
+                <a16:creationId xmlns:a16="http://schemas.microsoft.com/office/drawing/2014/main" id="{41668369-DE03-8FD1-794F-E6C3EE1CD50A}"/>
               </a:ext>
             </a:extLst>
           </p:cNvPr>
@@ -166,7 +166,7 @@
           <p:cNvPr id="3" name="副标题 2">
             <a:extLst>
               <a:ext uri="{FF2B5EF4-FFF2-40B4-BE49-F238E27FC236}">
-                <a16:creationId xmlns:a16="http://schemas.microsoft.com/office/drawing/2014/main" id="{B67DBA59-EF42-E40F-5ED4-86F12DE31DDD}"/>
+                <a16:creationId xmlns:a16="http://schemas.microsoft.com/office/drawing/2014/main" id="{D41999C8-6C60-2D83-7360-BF4561747961}"/>
               </a:ext>
             </a:extLst>
           </p:cNvPr>
@@ -236,7 +236,7 @@
           <p:cNvPr id="4" name="日期占位符 3">
             <a:extLst>
               <a:ext uri="{FF2B5EF4-FFF2-40B4-BE49-F238E27FC236}">
-                <a16:creationId xmlns:a16="http://schemas.microsoft.com/office/drawing/2014/main" id="{0B46056B-E05F-F303-C6C6-EC1C20E6136D}"/>
+                <a16:creationId xmlns:a16="http://schemas.microsoft.com/office/drawing/2014/main" id="{5C9B6F13-B8AF-849C-97F6-FA956FAB5AB3}"/>
               </a:ext>
             </a:extLst>
           </p:cNvPr>
@@ -252,7 +252,7 @@
           <a:bodyPr/>
           <a:lstStyle/>
           <a:p>
-            <a:fld id="{9D843C62-AA05-4828-AA80-7B9630A00BA6}" type="datetimeFigureOut">
+            <a:fld id="{B367C670-0205-4189-AC7B-70E314F13961}" type="datetimeFigureOut">
               <a:rPr lang="zh-CN" altLang="en-US" smtClean="0"/>
               <a:t>2024/3/10</a:t>
             </a:fld>
@@ -265,7 +265,7 @@
           <p:cNvPr id="5" name="页脚占位符 4">
             <a:extLst>
               <a:ext uri="{FF2B5EF4-FFF2-40B4-BE49-F238E27FC236}">
-                <a16:creationId xmlns:a16="http://schemas.microsoft.com/office/drawing/2014/main" id="{D6866E16-A85C-58E6-0A9F-3AB8E376DF03}"/>
+                <a16:creationId xmlns:a16="http://schemas.microsoft.com/office/drawing/2014/main" id="{730E813D-1DCB-C975-0A5C-3ECE20C06CD6}"/>
               </a:ext>
             </a:extLst>
           </p:cNvPr>
@@ -290,7 +290,7 @@
           <p:cNvPr id="6" name="灯片编号占位符 5">
             <a:extLst>
               <a:ext uri="{FF2B5EF4-FFF2-40B4-BE49-F238E27FC236}">
-                <a16:creationId xmlns:a16="http://schemas.microsoft.com/office/drawing/2014/main" id="{A48AC7DC-8ACA-B3CE-08CD-02804C58D256}"/>
+                <a16:creationId xmlns:a16="http://schemas.microsoft.com/office/drawing/2014/main" id="{EC17116F-2C9E-00A3-10B0-108BFEBB2DE3}"/>
               </a:ext>
             </a:extLst>
           </p:cNvPr>
@@ -306,7 +306,7 @@
           <a:bodyPr/>
           <a:lstStyle/>
           <a:p>
-            <a:fld id="{B4FC5918-D971-4819-91E3-202562FEA66E}" type="slidenum">
+            <a:fld id="{39F86271-C28D-4075-A4A1-D81616E63E64}" type="slidenum">
               <a:rPr lang="zh-CN" altLang="en-US" smtClean="0"/>
               <a:t>‹#›</a:t>
             </a:fld>
@@ -317,7 +317,7 @@
     </p:spTree>
     <p:extLst>
       <p:ext uri="{BB962C8B-B14F-4D97-AF65-F5344CB8AC3E}">
-        <p14:creationId xmlns:p14="http://schemas.microsoft.com/office/powerpoint/2010/main" val="4259245502"/>
+        <p14:creationId xmlns:p14="http://schemas.microsoft.com/office/powerpoint/2010/main" val="2105762547"/>
       </p:ext>
     </p:extLst>
   </p:cSld>
@@ -349,7 +349,7 @@
           <p:cNvPr id="2" name="标题 1">
             <a:extLst>
               <a:ext uri="{FF2B5EF4-FFF2-40B4-BE49-F238E27FC236}">
-                <a16:creationId xmlns:a16="http://schemas.microsoft.com/office/drawing/2014/main" id="{991BC971-27D6-C5D4-1CB2-1DF646A8207F}"/>
+                <a16:creationId xmlns:a16="http://schemas.microsoft.com/office/drawing/2014/main" id="{15BA07AF-8344-4B5E-A6F0-C7278529DBCC}"/>
               </a:ext>
             </a:extLst>
           </p:cNvPr>
@@ -377,7 +377,7 @@
           <p:cNvPr id="3" name="竖排文字占位符 2">
             <a:extLst>
               <a:ext uri="{FF2B5EF4-FFF2-40B4-BE49-F238E27FC236}">
-                <a16:creationId xmlns:a16="http://schemas.microsoft.com/office/drawing/2014/main" id="{9D64BFFA-F440-8D10-B659-9903BBE0445F}"/>
+                <a16:creationId xmlns:a16="http://schemas.microsoft.com/office/drawing/2014/main" id="{D6F99086-873F-67BE-9059-6585BDDB3185}"/>
               </a:ext>
             </a:extLst>
           </p:cNvPr>
@@ -434,7 +434,7 @@
           <p:cNvPr id="4" name="日期占位符 3">
             <a:extLst>
               <a:ext uri="{FF2B5EF4-FFF2-40B4-BE49-F238E27FC236}">
-                <a16:creationId xmlns:a16="http://schemas.microsoft.com/office/drawing/2014/main" id="{6661C1FD-E80E-47C8-0FCE-6481B10580AA}"/>
+                <a16:creationId xmlns:a16="http://schemas.microsoft.com/office/drawing/2014/main" id="{E11F920F-AB74-3B87-FC2B-DAD5A4943EB7}"/>
               </a:ext>
             </a:extLst>
           </p:cNvPr>
@@ -450,7 +450,7 @@
           <a:bodyPr/>
           <a:lstStyle/>
           <a:p>
-            <a:fld id="{9D843C62-AA05-4828-AA80-7B9630A00BA6}" type="datetimeFigureOut">
+            <a:fld id="{B367C670-0205-4189-AC7B-70E314F13961}" type="datetimeFigureOut">
               <a:rPr lang="zh-CN" altLang="en-US" smtClean="0"/>
               <a:t>2024/3/10</a:t>
             </a:fld>
@@ -463,7 +463,7 @@
           <p:cNvPr id="5" name="页脚占位符 4">
             <a:extLst>
               <a:ext uri="{FF2B5EF4-FFF2-40B4-BE49-F238E27FC236}">
-                <a16:creationId xmlns:a16="http://schemas.microsoft.com/office/drawing/2014/main" id="{45E5A314-6588-CD70-0AB9-849E45B05044}"/>
+                <a16:creationId xmlns:a16="http://schemas.microsoft.com/office/drawing/2014/main" id="{A42099E6-027A-BBFF-50AE-F663FD6AC9CA}"/>
               </a:ext>
             </a:extLst>
           </p:cNvPr>
@@ -488,7 +488,7 @@
           <p:cNvPr id="6" name="灯片编号占位符 5">
             <a:extLst>
               <a:ext uri="{FF2B5EF4-FFF2-40B4-BE49-F238E27FC236}">
-                <a16:creationId xmlns:a16="http://schemas.microsoft.com/office/drawing/2014/main" id="{155454D8-9CB0-C0C0-81E0-4AD5487476D6}"/>
+                <a16:creationId xmlns:a16="http://schemas.microsoft.com/office/drawing/2014/main" id="{EBD07EB3-DF8C-CBCC-5BA8-64E35E0740F8}"/>
               </a:ext>
             </a:extLst>
           </p:cNvPr>
@@ -504,7 +504,7 @@
           <a:bodyPr/>
           <a:lstStyle/>
           <a:p>
-            <a:fld id="{B4FC5918-D971-4819-91E3-202562FEA66E}" type="slidenum">
+            <a:fld id="{39F86271-C28D-4075-A4A1-D81616E63E64}" type="slidenum">
               <a:rPr lang="zh-CN" altLang="en-US" smtClean="0"/>
               <a:t>‹#›</a:t>
             </a:fld>
@@ -515,7 +515,7 @@
     </p:spTree>
     <p:extLst>
       <p:ext uri="{BB962C8B-B14F-4D97-AF65-F5344CB8AC3E}">
-        <p14:creationId xmlns:p14="http://schemas.microsoft.com/office/powerpoint/2010/main" val="1685699484"/>
+        <p14:creationId xmlns:p14="http://schemas.microsoft.com/office/powerpoint/2010/main" val="2944204585"/>
       </p:ext>
     </p:extLst>
   </p:cSld>
@@ -547,7 +547,7 @@
           <p:cNvPr id="2" name="竖排标题 1">
             <a:extLst>
               <a:ext uri="{FF2B5EF4-FFF2-40B4-BE49-F238E27FC236}">
-                <a16:creationId xmlns:a16="http://schemas.microsoft.com/office/drawing/2014/main" id="{8501FB9B-3059-E946-CD1C-EB816C92C892}"/>
+                <a16:creationId xmlns:a16="http://schemas.microsoft.com/office/drawing/2014/main" id="{A91F6FC4-2E8E-73EB-9213-B18480D6FB76}"/>
               </a:ext>
             </a:extLst>
           </p:cNvPr>
@@ -580,7 +580,7 @@
           <p:cNvPr id="3" name="竖排文字占位符 2">
             <a:extLst>
               <a:ext uri="{FF2B5EF4-FFF2-40B4-BE49-F238E27FC236}">
-                <a16:creationId xmlns:a16="http://schemas.microsoft.com/office/drawing/2014/main" id="{0983CCE8-F137-CFEF-5E8C-A08412651FB9}"/>
+                <a16:creationId xmlns:a16="http://schemas.microsoft.com/office/drawing/2014/main" id="{34AAC59C-31F8-5FE1-015B-0EB396490FF5}"/>
               </a:ext>
             </a:extLst>
           </p:cNvPr>
@@ -642,7 +642,7 @@
           <p:cNvPr id="4" name="日期占位符 3">
             <a:extLst>
               <a:ext uri="{FF2B5EF4-FFF2-40B4-BE49-F238E27FC236}">
-                <a16:creationId xmlns:a16="http://schemas.microsoft.com/office/drawing/2014/main" id="{C4C21E2C-0F11-CC2D-421C-CC7236DA5B4E}"/>
+                <a16:creationId xmlns:a16="http://schemas.microsoft.com/office/drawing/2014/main" id="{CF59A65E-D93A-7039-7318-5CD9432BA109}"/>
               </a:ext>
             </a:extLst>
           </p:cNvPr>
@@ -658,7 +658,7 @@
           <a:bodyPr/>
           <a:lstStyle/>
           <a:p>
-            <a:fld id="{9D843C62-AA05-4828-AA80-7B9630A00BA6}" type="datetimeFigureOut">
+            <a:fld id="{B367C670-0205-4189-AC7B-70E314F13961}" type="datetimeFigureOut">
               <a:rPr lang="zh-CN" altLang="en-US" smtClean="0"/>
               <a:t>2024/3/10</a:t>
             </a:fld>
@@ -671,7 +671,7 @@
           <p:cNvPr id="5" name="页脚占位符 4">
             <a:extLst>
               <a:ext uri="{FF2B5EF4-FFF2-40B4-BE49-F238E27FC236}">
-                <a16:creationId xmlns:a16="http://schemas.microsoft.com/office/drawing/2014/main" id="{4FBA8D5D-C667-8DA6-7F5B-D3947AB5C2EF}"/>
+                <a16:creationId xmlns:a16="http://schemas.microsoft.com/office/drawing/2014/main" id="{717DD89D-910C-FEDB-317F-334DE97CFE66}"/>
               </a:ext>
             </a:extLst>
           </p:cNvPr>
@@ -696,7 +696,7 @@
           <p:cNvPr id="6" name="灯片编号占位符 5">
             <a:extLst>
               <a:ext uri="{FF2B5EF4-FFF2-40B4-BE49-F238E27FC236}">
-                <a16:creationId xmlns:a16="http://schemas.microsoft.com/office/drawing/2014/main" id="{AF82FDF6-6CF9-6D5B-FEC1-6DB0F253AD2C}"/>
+                <a16:creationId xmlns:a16="http://schemas.microsoft.com/office/drawing/2014/main" id="{E74B97AB-0836-2E8C-906F-0391A3C14043}"/>
               </a:ext>
             </a:extLst>
           </p:cNvPr>
@@ -712,7 +712,7 @@
           <a:bodyPr/>
           <a:lstStyle/>
           <a:p>
-            <a:fld id="{B4FC5918-D971-4819-91E3-202562FEA66E}" type="slidenum">
+            <a:fld id="{39F86271-C28D-4075-A4A1-D81616E63E64}" type="slidenum">
               <a:rPr lang="zh-CN" altLang="en-US" smtClean="0"/>
               <a:t>‹#›</a:t>
             </a:fld>
@@ -723,7 +723,7 @@
     </p:spTree>
     <p:extLst>
       <p:ext uri="{BB962C8B-B14F-4D97-AF65-F5344CB8AC3E}">
-        <p14:creationId xmlns:p14="http://schemas.microsoft.com/office/powerpoint/2010/main" val="3357774948"/>
+        <p14:creationId xmlns:p14="http://schemas.microsoft.com/office/powerpoint/2010/main" val="3862970494"/>
       </p:ext>
     </p:extLst>
   </p:cSld>
@@ -755,7 +755,7 @@
           <p:cNvPr id="2" name="标题 1">
             <a:extLst>
               <a:ext uri="{FF2B5EF4-FFF2-40B4-BE49-F238E27FC236}">
-                <a16:creationId xmlns:a16="http://schemas.microsoft.com/office/drawing/2014/main" id="{D6B4751A-18A7-6AE9-E5F7-6361E216FDF7}"/>
+                <a16:creationId xmlns:a16="http://schemas.microsoft.com/office/drawing/2014/main" id="{DC8E70EE-5FEB-F645-9A0C-A8B3EC4A0759}"/>
               </a:ext>
             </a:extLst>
           </p:cNvPr>
@@ -783,7 +783,7 @@
           <p:cNvPr id="3" name="内容占位符 2">
             <a:extLst>
               <a:ext uri="{FF2B5EF4-FFF2-40B4-BE49-F238E27FC236}">
-                <a16:creationId xmlns:a16="http://schemas.microsoft.com/office/drawing/2014/main" id="{2A981F0A-8B0C-6E4B-E3D3-042D5C83B3A1}"/>
+                <a16:creationId xmlns:a16="http://schemas.microsoft.com/office/drawing/2014/main" id="{039EC2E1-F021-968B-2A10-1EFC905FC0DC}"/>
               </a:ext>
             </a:extLst>
           </p:cNvPr>
@@ -840,7 +840,7 @@
           <p:cNvPr id="4" name="日期占位符 3">
             <a:extLst>
               <a:ext uri="{FF2B5EF4-FFF2-40B4-BE49-F238E27FC236}">
-                <a16:creationId xmlns:a16="http://schemas.microsoft.com/office/drawing/2014/main" id="{226C3CDF-123F-AB98-8688-092AB977AA46}"/>
+                <a16:creationId xmlns:a16="http://schemas.microsoft.com/office/drawing/2014/main" id="{937075B4-A8B3-89FB-D2BE-34BB34ED6F53}"/>
               </a:ext>
             </a:extLst>
           </p:cNvPr>
@@ -856,7 +856,7 @@
           <a:bodyPr/>
           <a:lstStyle/>
           <a:p>
-            <a:fld id="{9D843C62-AA05-4828-AA80-7B9630A00BA6}" type="datetimeFigureOut">
+            <a:fld id="{B367C670-0205-4189-AC7B-70E314F13961}" type="datetimeFigureOut">
               <a:rPr lang="zh-CN" altLang="en-US" smtClean="0"/>
               <a:t>2024/3/10</a:t>
             </a:fld>
@@ -869,7 +869,7 @@
           <p:cNvPr id="5" name="页脚占位符 4">
             <a:extLst>
               <a:ext uri="{FF2B5EF4-FFF2-40B4-BE49-F238E27FC236}">
-                <a16:creationId xmlns:a16="http://schemas.microsoft.com/office/drawing/2014/main" id="{AE7A5988-FA4D-4697-4286-ED5CC24FB609}"/>
+                <a16:creationId xmlns:a16="http://schemas.microsoft.com/office/drawing/2014/main" id="{B6DB2E36-4B60-7BC5-AD41-A35175CA2F55}"/>
               </a:ext>
             </a:extLst>
           </p:cNvPr>
@@ -894,7 +894,7 @@
           <p:cNvPr id="6" name="灯片编号占位符 5">
             <a:extLst>
               <a:ext uri="{FF2B5EF4-FFF2-40B4-BE49-F238E27FC236}">
-                <a16:creationId xmlns:a16="http://schemas.microsoft.com/office/drawing/2014/main" id="{B0816361-C77C-3617-7BBD-65B39D16A8C3}"/>
+                <a16:creationId xmlns:a16="http://schemas.microsoft.com/office/drawing/2014/main" id="{DDB3A3BB-9DAC-0E29-F640-59434D6F9ECA}"/>
               </a:ext>
             </a:extLst>
           </p:cNvPr>
@@ -910,7 +910,7 @@
           <a:bodyPr/>
           <a:lstStyle/>
           <a:p>
-            <a:fld id="{B4FC5918-D971-4819-91E3-202562FEA66E}" type="slidenum">
+            <a:fld id="{39F86271-C28D-4075-A4A1-D81616E63E64}" type="slidenum">
               <a:rPr lang="zh-CN" altLang="en-US" smtClean="0"/>
               <a:t>‹#›</a:t>
             </a:fld>
@@ -921,7 +921,7 @@
     </p:spTree>
     <p:extLst>
       <p:ext uri="{BB962C8B-B14F-4D97-AF65-F5344CB8AC3E}">
-        <p14:creationId xmlns:p14="http://schemas.microsoft.com/office/powerpoint/2010/main" val="1499122486"/>
+        <p14:creationId xmlns:p14="http://schemas.microsoft.com/office/powerpoint/2010/main" val="695450366"/>
       </p:ext>
     </p:extLst>
   </p:cSld>
@@ -953,7 +953,7 @@
           <p:cNvPr id="2" name="标题 1">
             <a:extLst>
               <a:ext uri="{FF2B5EF4-FFF2-40B4-BE49-F238E27FC236}">
-                <a16:creationId xmlns:a16="http://schemas.microsoft.com/office/drawing/2014/main" id="{ABF9866B-93C6-3AED-1ABE-8E41320827C2}"/>
+                <a16:creationId xmlns:a16="http://schemas.microsoft.com/office/drawing/2014/main" id="{7436DC6A-5A0E-5425-6472-07B3D36F214C}"/>
               </a:ext>
             </a:extLst>
           </p:cNvPr>
@@ -990,7 +990,7 @@
           <p:cNvPr id="3" name="文本占位符 2">
             <a:extLst>
               <a:ext uri="{FF2B5EF4-FFF2-40B4-BE49-F238E27FC236}">
-                <a16:creationId xmlns:a16="http://schemas.microsoft.com/office/drawing/2014/main" id="{D3B07230-D764-B907-93C2-98EA40775221}"/>
+                <a16:creationId xmlns:a16="http://schemas.microsoft.com/office/drawing/2014/main" id="{1C149858-6A0A-6EE6-C7F3-CDAA76D0DFB0}"/>
               </a:ext>
             </a:extLst>
           </p:cNvPr>
@@ -1115,7 +1115,7 @@
           <p:cNvPr id="4" name="日期占位符 3">
             <a:extLst>
               <a:ext uri="{FF2B5EF4-FFF2-40B4-BE49-F238E27FC236}">
-                <a16:creationId xmlns:a16="http://schemas.microsoft.com/office/drawing/2014/main" id="{C83BEC24-E4F2-B0EB-5ECE-BBF0235CA26E}"/>
+                <a16:creationId xmlns:a16="http://schemas.microsoft.com/office/drawing/2014/main" id="{65C74191-1216-DE15-75E6-3E7D9382B1B5}"/>
               </a:ext>
             </a:extLst>
           </p:cNvPr>
@@ -1131,7 +1131,7 @@
           <a:bodyPr/>
           <a:lstStyle/>
           <a:p>
-            <a:fld id="{9D843C62-AA05-4828-AA80-7B9630A00BA6}" type="datetimeFigureOut">
+            <a:fld id="{B367C670-0205-4189-AC7B-70E314F13961}" type="datetimeFigureOut">
               <a:rPr lang="zh-CN" altLang="en-US" smtClean="0"/>
               <a:t>2024/3/10</a:t>
             </a:fld>
@@ -1144,7 +1144,7 @@
           <p:cNvPr id="5" name="页脚占位符 4">
             <a:extLst>
               <a:ext uri="{FF2B5EF4-FFF2-40B4-BE49-F238E27FC236}">
-                <a16:creationId xmlns:a16="http://schemas.microsoft.com/office/drawing/2014/main" id="{B2A20C67-DBC3-FBE3-6CF4-021B1756F46A}"/>
+                <a16:creationId xmlns:a16="http://schemas.microsoft.com/office/drawing/2014/main" id="{E07C47E3-D96B-7115-9F6E-4258C542FB92}"/>
               </a:ext>
             </a:extLst>
           </p:cNvPr>
@@ -1169,7 +1169,7 @@
           <p:cNvPr id="6" name="灯片编号占位符 5">
             <a:extLst>
               <a:ext uri="{FF2B5EF4-FFF2-40B4-BE49-F238E27FC236}">
-                <a16:creationId xmlns:a16="http://schemas.microsoft.com/office/drawing/2014/main" id="{D7F61764-995B-A048-FFEE-9120E68AE52C}"/>
+                <a16:creationId xmlns:a16="http://schemas.microsoft.com/office/drawing/2014/main" id="{D27B16A3-B860-ED96-7378-32F396BB646A}"/>
               </a:ext>
             </a:extLst>
           </p:cNvPr>
@@ -1185,7 +1185,7 @@
           <a:bodyPr/>
           <a:lstStyle/>
           <a:p>
-            <a:fld id="{B4FC5918-D971-4819-91E3-202562FEA66E}" type="slidenum">
+            <a:fld id="{39F86271-C28D-4075-A4A1-D81616E63E64}" type="slidenum">
               <a:rPr lang="zh-CN" altLang="en-US" smtClean="0"/>
               <a:t>‹#›</a:t>
             </a:fld>
@@ -1196,7 +1196,7 @@
     </p:spTree>
     <p:extLst>
       <p:ext uri="{BB962C8B-B14F-4D97-AF65-F5344CB8AC3E}">
-        <p14:creationId xmlns:p14="http://schemas.microsoft.com/office/powerpoint/2010/main" val="3912872787"/>
+        <p14:creationId xmlns:p14="http://schemas.microsoft.com/office/powerpoint/2010/main" val="20867266"/>
       </p:ext>
     </p:extLst>
   </p:cSld>
@@ -1228,7 +1228,7 @@
           <p:cNvPr id="2" name="标题 1">
             <a:extLst>
               <a:ext uri="{FF2B5EF4-FFF2-40B4-BE49-F238E27FC236}">
-                <a16:creationId xmlns:a16="http://schemas.microsoft.com/office/drawing/2014/main" id="{EF2AE859-E330-CA7B-D590-C754D67AF594}"/>
+                <a16:creationId xmlns:a16="http://schemas.microsoft.com/office/drawing/2014/main" id="{0E72F896-E4FF-F0EC-BBD0-90D4199FE6C8}"/>
               </a:ext>
             </a:extLst>
           </p:cNvPr>
@@ -1256,7 +1256,7 @@
           <p:cNvPr id="3" name="内容占位符 2">
             <a:extLst>
               <a:ext uri="{FF2B5EF4-FFF2-40B4-BE49-F238E27FC236}">
-                <a16:creationId xmlns:a16="http://schemas.microsoft.com/office/drawing/2014/main" id="{31D189FB-1756-2FA1-C2FA-C5204BEEA1E8}"/>
+                <a16:creationId xmlns:a16="http://schemas.microsoft.com/office/drawing/2014/main" id="{75C23E4E-2A96-23E7-BC45-93950E4433C4}"/>
               </a:ext>
             </a:extLst>
           </p:cNvPr>
@@ -1318,7 +1318,7 @@
           <p:cNvPr id="4" name="内容占位符 3">
             <a:extLst>
               <a:ext uri="{FF2B5EF4-FFF2-40B4-BE49-F238E27FC236}">
-                <a16:creationId xmlns:a16="http://schemas.microsoft.com/office/drawing/2014/main" id="{6F3E8BB3-0B5C-E06C-1EEC-88779F0FDD39}"/>
+                <a16:creationId xmlns:a16="http://schemas.microsoft.com/office/drawing/2014/main" id="{21ECA5C4-72E1-F75D-601E-03A2996CE078}"/>
               </a:ext>
             </a:extLst>
           </p:cNvPr>
@@ -1380,7 +1380,7 @@
           <p:cNvPr id="5" name="日期占位符 4">
             <a:extLst>
               <a:ext uri="{FF2B5EF4-FFF2-40B4-BE49-F238E27FC236}">
-                <a16:creationId xmlns:a16="http://schemas.microsoft.com/office/drawing/2014/main" id="{7EB22846-ED09-D123-2AB8-4D9E33E80159}"/>
+                <a16:creationId xmlns:a16="http://schemas.microsoft.com/office/drawing/2014/main" id="{FBF975FF-CCEC-46C9-37E3-BF96417C74CD}"/>
               </a:ext>
             </a:extLst>
           </p:cNvPr>
@@ -1396,7 +1396,7 @@
           <a:bodyPr/>
           <a:lstStyle/>
           <a:p>
-            <a:fld id="{9D843C62-AA05-4828-AA80-7B9630A00BA6}" type="datetimeFigureOut">
+            <a:fld id="{B367C670-0205-4189-AC7B-70E314F13961}" type="datetimeFigureOut">
               <a:rPr lang="zh-CN" altLang="en-US" smtClean="0"/>
               <a:t>2024/3/10</a:t>
             </a:fld>
@@ -1409,7 +1409,7 @@
           <p:cNvPr id="6" name="页脚占位符 5">
             <a:extLst>
               <a:ext uri="{FF2B5EF4-FFF2-40B4-BE49-F238E27FC236}">
-                <a16:creationId xmlns:a16="http://schemas.microsoft.com/office/drawing/2014/main" id="{285A6692-A201-ADED-C2C4-68BB3154DC89}"/>
+                <a16:creationId xmlns:a16="http://schemas.microsoft.com/office/drawing/2014/main" id="{1779D0C0-5E5A-C5E6-6388-39CC2DF581A1}"/>
               </a:ext>
             </a:extLst>
           </p:cNvPr>
@@ -1434,7 +1434,7 @@
           <p:cNvPr id="7" name="灯片编号占位符 6">
             <a:extLst>
               <a:ext uri="{FF2B5EF4-FFF2-40B4-BE49-F238E27FC236}">
-                <a16:creationId xmlns:a16="http://schemas.microsoft.com/office/drawing/2014/main" id="{39477CBF-8598-124E-DB29-B64FCEA79271}"/>
+                <a16:creationId xmlns:a16="http://schemas.microsoft.com/office/drawing/2014/main" id="{66534B97-1569-DD1E-2937-CBBD06AD9371}"/>
               </a:ext>
             </a:extLst>
           </p:cNvPr>
@@ -1450,7 +1450,7 @@
           <a:bodyPr/>
           <a:lstStyle/>
           <a:p>
-            <a:fld id="{B4FC5918-D971-4819-91E3-202562FEA66E}" type="slidenum">
+            <a:fld id="{39F86271-C28D-4075-A4A1-D81616E63E64}" type="slidenum">
               <a:rPr lang="zh-CN" altLang="en-US" smtClean="0"/>
               <a:t>‹#›</a:t>
             </a:fld>
@@ -1461,7 +1461,7 @@
     </p:spTree>
     <p:extLst>
       <p:ext uri="{BB962C8B-B14F-4D97-AF65-F5344CB8AC3E}">
-        <p14:creationId xmlns:p14="http://schemas.microsoft.com/office/powerpoint/2010/main" val="690841508"/>
+        <p14:creationId xmlns:p14="http://schemas.microsoft.com/office/powerpoint/2010/main" val="3875436124"/>
       </p:ext>
     </p:extLst>
   </p:cSld>
@@ -1493,7 +1493,7 @@
           <p:cNvPr id="2" name="标题 1">
             <a:extLst>
               <a:ext uri="{FF2B5EF4-FFF2-40B4-BE49-F238E27FC236}">
-                <a16:creationId xmlns:a16="http://schemas.microsoft.com/office/drawing/2014/main" id="{D66ACF76-9C18-FD2F-6747-EAB4C8A073DA}"/>
+                <a16:creationId xmlns:a16="http://schemas.microsoft.com/office/drawing/2014/main" id="{B38EB87D-7828-0ABD-0E5B-0DE1CA8BD18D}"/>
               </a:ext>
             </a:extLst>
           </p:cNvPr>
@@ -1526,7 +1526,7 @@
           <p:cNvPr id="3" name="文本占位符 2">
             <a:extLst>
               <a:ext uri="{FF2B5EF4-FFF2-40B4-BE49-F238E27FC236}">
-                <a16:creationId xmlns:a16="http://schemas.microsoft.com/office/drawing/2014/main" id="{B5126DD4-724F-F650-AD33-6AF73A22EC24}"/>
+                <a16:creationId xmlns:a16="http://schemas.microsoft.com/office/drawing/2014/main" id="{8A633B25-8F50-6194-9EDB-5B1D9117FB0C}"/>
               </a:ext>
             </a:extLst>
           </p:cNvPr>
@@ -1597,7 +1597,7 @@
           <p:cNvPr id="4" name="内容占位符 3">
             <a:extLst>
               <a:ext uri="{FF2B5EF4-FFF2-40B4-BE49-F238E27FC236}">
-                <a16:creationId xmlns:a16="http://schemas.microsoft.com/office/drawing/2014/main" id="{C4D485C3-2963-BF83-5F5A-35D9F2659673}"/>
+                <a16:creationId xmlns:a16="http://schemas.microsoft.com/office/drawing/2014/main" id="{4178BBC7-7C4A-4C1A-0C5D-75BF262E61D4}"/>
               </a:ext>
             </a:extLst>
           </p:cNvPr>
@@ -1659,7 +1659,7 @@
           <p:cNvPr id="5" name="文本占位符 4">
             <a:extLst>
               <a:ext uri="{FF2B5EF4-FFF2-40B4-BE49-F238E27FC236}">
-                <a16:creationId xmlns:a16="http://schemas.microsoft.com/office/drawing/2014/main" id="{C9F9FCBA-6F63-989E-2076-7FCCCC4B651B}"/>
+                <a16:creationId xmlns:a16="http://schemas.microsoft.com/office/drawing/2014/main" id="{C26888D7-711E-D054-68A0-4F3E0C51A557}"/>
               </a:ext>
             </a:extLst>
           </p:cNvPr>
@@ -1730,7 +1730,7 @@
           <p:cNvPr id="6" name="内容占位符 5">
             <a:extLst>
               <a:ext uri="{FF2B5EF4-FFF2-40B4-BE49-F238E27FC236}">
-                <a16:creationId xmlns:a16="http://schemas.microsoft.com/office/drawing/2014/main" id="{89AC31B6-FA58-4351-9267-3191E70587D9}"/>
+                <a16:creationId xmlns:a16="http://schemas.microsoft.com/office/drawing/2014/main" id="{98E045F4-6EA5-39B8-1DFE-1FC82AAB7F83}"/>
               </a:ext>
             </a:extLst>
           </p:cNvPr>
@@ -1792,7 +1792,7 @@
           <p:cNvPr id="7" name="日期占位符 6">
             <a:extLst>
               <a:ext uri="{FF2B5EF4-FFF2-40B4-BE49-F238E27FC236}">
-                <a16:creationId xmlns:a16="http://schemas.microsoft.com/office/drawing/2014/main" id="{EBC2CBCB-F0B9-9081-0625-C2551D955B6A}"/>
+                <a16:creationId xmlns:a16="http://schemas.microsoft.com/office/drawing/2014/main" id="{3140AC9E-600E-D8AA-D136-A52A6D9A97EF}"/>
               </a:ext>
             </a:extLst>
           </p:cNvPr>
@@ -1808,7 +1808,7 @@
           <a:bodyPr/>
           <a:lstStyle/>
           <a:p>
-            <a:fld id="{9D843C62-AA05-4828-AA80-7B9630A00BA6}" type="datetimeFigureOut">
+            <a:fld id="{B367C670-0205-4189-AC7B-70E314F13961}" type="datetimeFigureOut">
               <a:rPr lang="zh-CN" altLang="en-US" smtClean="0"/>
               <a:t>2024/3/10</a:t>
             </a:fld>
@@ -1821,7 +1821,7 @@
           <p:cNvPr id="8" name="页脚占位符 7">
             <a:extLst>
               <a:ext uri="{FF2B5EF4-FFF2-40B4-BE49-F238E27FC236}">
-                <a16:creationId xmlns:a16="http://schemas.microsoft.com/office/drawing/2014/main" id="{5A3401A1-82F7-702C-23D7-956CFA939836}"/>
+                <a16:creationId xmlns:a16="http://schemas.microsoft.com/office/drawing/2014/main" id="{8777E0AB-1003-81D1-E34E-147CD106DB86}"/>
               </a:ext>
             </a:extLst>
           </p:cNvPr>
@@ -1846,7 +1846,7 @@
           <p:cNvPr id="9" name="灯片编号占位符 8">
             <a:extLst>
               <a:ext uri="{FF2B5EF4-FFF2-40B4-BE49-F238E27FC236}">
-                <a16:creationId xmlns:a16="http://schemas.microsoft.com/office/drawing/2014/main" id="{F4BDDA4E-4F60-2EAF-5B49-EB6B124DD709}"/>
+                <a16:creationId xmlns:a16="http://schemas.microsoft.com/office/drawing/2014/main" id="{75625E7B-59F0-B8A8-812F-6EBBFF9240C3}"/>
               </a:ext>
             </a:extLst>
           </p:cNvPr>
@@ -1862,7 +1862,7 @@
           <a:bodyPr/>
           <a:lstStyle/>
           <a:p>
-            <a:fld id="{B4FC5918-D971-4819-91E3-202562FEA66E}" type="slidenum">
+            <a:fld id="{39F86271-C28D-4075-A4A1-D81616E63E64}" type="slidenum">
               <a:rPr lang="zh-CN" altLang="en-US" smtClean="0"/>
               <a:t>‹#›</a:t>
             </a:fld>
@@ -1873,7 +1873,7 @@
     </p:spTree>
     <p:extLst>
       <p:ext uri="{BB962C8B-B14F-4D97-AF65-F5344CB8AC3E}">
-        <p14:creationId xmlns:p14="http://schemas.microsoft.com/office/powerpoint/2010/main" val="3780414272"/>
+        <p14:creationId xmlns:p14="http://schemas.microsoft.com/office/powerpoint/2010/main" val="92201676"/>
       </p:ext>
     </p:extLst>
   </p:cSld>
@@ -1905,7 +1905,7 @@
           <p:cNvPr id="2" name="标题 1">
             <a:extLst>
               <a:ext uri="{FF2B5EF4-FFF2-40B4-BE49-F238E27FC236}">
-                <a16:creationId xmlns:a16="http://schemas.microsoft.com/office/drawing/2014/main" id="{DBC80FF8-77AE-9E6D-CF13-698A1A2E89C8}"/>
+                <a16:creationId xmlns:a16="http://schemas.microsoft.com/office/drawing/2014/main" id="{728969AE-9606-3C99-12C7-F101B8B6DDFB}"/>
               </a:ext>
             </a:extLst>
           </p:cNvPr>
@@ -1933,7 +1933,7 @@
           <p:cNvPr id="3" name="日期占位符 2">
             <a:extLst>
               <a:ext uri="{FF2B5EF4-FFF2-40B4-BE49-F238E27FC236}">
-                <a16:creationId xmlns:a16="http://schemas.microsoft.com/office/drawing/2014/main" id="{A8C5D6EC-17DC-1839-9933-C3584EF6DACF}"/>
+                <a16:creationId xmlns:a16="http://schemas.microsoft.com/office/drawing/2014/main" id="{084581F3-407A-1664-18CC-7D3CB425C066}"/>
               </a:ext>
             </a:extLst>
           </p:cNvPr>
@@ -1949,7 +1949,7 @@
           <a:bodyPr/>
           <a:lstStyle/>
           <a:p>
-            <a:fld id="{9D843C62-AA05-4828-AA80-7B9630A00BA6}" type="datetimeFigureOut">
+            <a:fld id="{B367C670-0205-4189-AC7B-70E314F13961}" type="datetimeFigureOut">
               <a:rPr lang="zh-CN" altLang="en-US" smtClean="0"/>
               <a:t>2024/3/10</a:t>
             </a:fld>
@@ -1962,7 +1962,7 @@
           <p:cNvPr id="4" name="页脚占位符 3">
             <a:extLst>
               <a:ext uri="{FF2B5EF4-FFF2-40B4-BE49-F238E27FC236}">
-                <a16:creationId xmlns:a16="http://schemas.microsoft.com/office/drawing/2014/main" id="{86A96A2B-8304-F762-5B48-F4E2AECD9223}"/>
+                <a16:creationId xmlns:a16="http://schemas.microsoft.com/office/drawing/2014/main" id="{FE5CDC74-46BC-DB79-42E5-39D4112FFFD7}"/>
               </a:ext>
             </a:extLst>
           </p:cNvPr>
@@ -1987,7 +1987,7 @@
           <p:cNvPr id="5" name="灯片编号占位符 4">
             <a:extLst>
               <a:ext uri="{FF2B5EF4-FFF2-40B4-BE49-F238E27FC236}">
-                <a16:creationId xmlns:a16="http://schemas.microsoft.com/office/drawing/2014/main" id="{C1145CCA-0DBD-688D-C94D-FBD5ABAD1C68}"/>
+                <a16:creationId xmlns:a16="http://schemas.microsoft.com/office/drawing/2014/main" id="{B7868386-26A5-D241-D801-1C4EE7822AD2}"/>
               </a:ext>
             </a:extLst>
           </p:cNvPr>
@@ -2003,7 +2003,7 @@
           <a:bodyPr/>
           <a:lstStyle/>
           <a:p>
-            <a:fld id="{B4FC5918-D971-4819-91E3-202562FEA66E}" type="slidenum">
+            <a:fld id="{39F86271-C28D-4075-A4A1-D81616E63E64}" type="slidenum">
               <a:rPr lang="zh-CN" altLang="en-US" smtClean="0"/>
               <a:t>‹#›</a:t>
             </a:fld>
@@ -2014,7 +2014,7 @@
     </p:spTree>
     <p:extLst>
       <p:ext uri="{BB962C8B-B14F-4D97-AF65-F5344CB8AC3E}">
-        <p14:creationId xmlns:p14="http://schemas.microsoft.com/office/powerpoint/2010/main" val="2746593072"/>
+        <p14:creationId xmlns:p14="http://schemas.microsoft.com/office/powerpoint/2010/main" val="686458820"/>
       </p:ext>
     </p:extLst>
   </p:cSld>
@@ -2046,7 +2046,7 @@
           <p:cNvPr id="2" name="日期占位符 1">
             <a:extLst>
               <a:ext uri="{FF2B5EF4-FFF2-40B4-BE49-F238E27FC236}">
-                <a16:creationId xmlns:a16="http://schemas.microsoft.com/office/drawing/2014/main" id="{4B9ED658-C061-44F6-3BEF-4B8AD3CC4F57}"/>
+                <a16:creationId xmlns:a16="http://schemas.microsoft.com/office/drawing/2014/main" id="{1D888352-C526-BA70-4A03-FC44B61C4646}"/>
               </a:ext>
             </a:extLst>
           </p:cNvPr>
@@ -2062,7 +2062,7 @@
           <a:bodyPr/>
           <a:lstStyle/>
           <a:p>
-            <a:fld id="{9D843C62-AA05-4828-AA80-7B9630A00BA6}" type="datetimeFigureOut">
+            <a:fld id="{B367C670-0205-4189-AC7B-70E314F13961}" type="datetimeFigureOut">
               <a:rPr lang="zh-CN" altLang="en-US" smtClean="0"/>
               <a:t>2024/3/10</a:t>
             </a:fld>
@@ -2075,7 +2075,7 @@
           <p:cNvPr id="3" name="页脚占位符 2">
             <a:extLst>
               <a:ext uri="{FF2B5EF4-FFF2-40B4-BE49-F238E27FC236}">
-                <a16:creationId xmlns:a16="http://schemas.microsoft.com/office/drawing/2014/main" id="{BD856F3A-9D36-8B79-E8B5-B316FAB03CF8}"/>
+                <a16:creationId xmlns:a16="http://schemas.microsoft.com/office/drawing/2014/main" id="{C8CFC88D-E161-AE0C-5CA5-34A28AB8134E}"/>
               </a:ext>
             </a:extLst>
           </p:cNvPr>
@@ -2100,7 +2100,7 @@
           <p:cNvPr id="4" name="灯片编号占位符 3">
             <a:extLst>
               <a:ext uri="{FF2B5EF4-FFF2-40B4-BE49-F238E27FC236}">
-                <a16:creationId xmlns:a16="http://schemas.microsoft.com/office/drawing/2014/main" id="{50CD9533-F6C8-B4F7-9E34-A7A546101A99}"/>
+                <a16:creationId xmlns:a16="http://schemas.microsoft.com/office/drawing/2014/main" id="{7579BF68-A03C-2C41-A4D7-B0C383E41020}"/>
               </a:ext>
             </a:extLst>
           </p:cNvPr>
@@ -2116,7 +2116,7 @@
           <a:bodyPr/>
           <a:lstStyle/>
           <a:p>
-            <a:fld id="{B4FC5918-D971-4819-91E3-202562FEA66E}" type="slidenum">
+            <a:fld id="{39F86271-C28D-4075-A4A1-D81616E63E64}" type="slidenum">
               <a:rPr lang="zh-CN" altLang="en-US" smtClean="0"/>
               <a:t>‹#›</a:t>
             </a:fld>
@@ -2127,7 +2127,7 @@
     </p:spTree>
     <p:extLst>
       <p:ext uri="{BB962C8B-B14F-4D97-AF65-F5344CB8AC3E}">
-        <p14:creationId xmlns:p14="http://schemas.microsoft.com/office/powerpoint/2010/main" val="794937019"/>
+        <p14:creationId xmlns:p14="http://schemas.microsoft.com/office/powerpoint/2010/main" val="3860785759"/>
       </p:ext>
     </p:extLst>
   </p:cSld>
@@ -2159,7 +2159,7 @@
           <p:cNvPr id="2" name="标题 1">
             <a:extLst>
               <a:ext uri="{FF2B5EF4-FFF2-40B4-BE49-F238E27FC236}">
-                <a16:creationId xmlns:a16="http://schemas.microsoft.com/office/drawing/2014/main" id="{0D02ADB5-3F74-4A80-2C1C-EC4C7836B61B}"/>
+                <a16:creationId xmlns:a16="http://schemas.microsoft.com/office/drawing/2014/main" id="{772387B6-1828-6FD0-5656-E4F281C0022A}"/>
               </a:ext>
             </a:extLst>
           </p:cNvPr>
@@ -2196,7 +2196,7 @@
           <p:cNvPr id="3" name="内容占位符 2">
             <a:extLst>
               <a:ext uri="{FF2B5EF4-FFF2-40B4-BE49-F238E27FC236}">
-                <a16:creationId xmlns:a16="http://schemas.microsoft.com/office/drawing/2014/main" id="{4693F96E-AB95-1A8F-5618-38F9246A48BA}"/>
+                <a16:creationId xmlns:a16="http://schemas.microsoft.com/office/drawing/2014/main" id="{1F052CFF-5015-B4FA-8088-8418604917CD}"/>
               </a:ext>
             </a:extLst>
           </p:cNvPr>
@@ -2286,7 +2286,7 @@
           <p:cNvPr id="4" name="文本占位符 3">
             <a:extLst>
               <a:ext uri="{FF2B5EF4-FFF2-40B4-BE49-F238E27FC236}">
-                <a16:creationId xmlns:a16="http://schemas.microsoft.com/office/drawing/2014/main" id="{47FD7F76-D654-5C9A-B2ED-83FEF3BD4FB3}"/>
+                <a16:creationId xmlns:a16="http://schemas.microsoft.com/office/drawing/2014/main" id="{627B22CD-097C-96B8-591C-A5CF6F023370}"/>
               </a:ext>
             </a:extLst>
           </p:cNvPr>
@@ -2357,7 +2357,7 @@
           <p:cNvPr id="5" name="日期占位符 4">
             <a:extLst>
               <a:ext uri="{FF2B5EF4-FFF2-40B4-BE49-F238E27FC236}">
-                <a16:creationId xmlns:a16="http://schemas.microsoft.com/office/drawing/2014/main" id="{56DA8F74-1EC3-F245-63A7-672AD32A0F7E}"/>
+                <a16:creationId xmlns:a16="http://schemas.microsoft.com/office/drawing/2014/main" id="{3F7216AA-E5E4-7C34-8120-F15C872F4A15}"/>
               </a:ext>
             </a:extLst>
           </p:cNvPr>
@@ -2373,7 +2373,7 @@
           <a:bodyPr/>
           <a:lstStyle/>
           <a:p>
-            <a:fld id="{9D843C62-AA05-4828-AA80-7B9630A00BA6}" type="datetimeFigureOut">
+            <a:fld id="{B367C670-0205-4189-AC7B-70E314F13961}" type="datetimeFigureOut">
               <a:rPr lang="zh-CN" altLang="en-US" smtClean="0"/>
               <a:t>2024/3/10</a:t>
             </a:fld>
@@ -2386,7 +2386,7 @@
           <p:cNvPr id="6" name="页脚占位符 5">
             <a:extLst>
               <a:ext uri="{FF2B5EF4-FFF2-40B4-BE49-F238E27FC236}">
-                <a16:creationId xmlns:a16="http://schemas.microsoft.com/office/drawing/2014/main" id="{FB70FCAC-E39B-B7A6-F010-ECB2F934B27F}"/>
+                <a16:creationId xmlns:a16="http://schemas.microsoft.com/office/drawing/2014/main" id="{2616535B-EBB5-D801-671A-AC4AAEEE6C48}"/>
               </a:ext>
             </a:extLst>
           </p:cNvPr>
@@ -2411,7 +2411,7 @@
           <p:cNvPr id="7" name="灯片编号占位符 6">
             <a:extLst>
               <a:ext uri="{FF2B5EF4-FFF2-40B4-BE49-F238E27FC236}">
-                <a16:creationId xmlns:a16="http://schemas.microsoft.com/office/drawing/2014/main" id="{DC123338-FD6C-78B0-B023-24C85E561F16}"/>
+                <a16:creationId xmlns:a16="http://schemas.microsoft.com/office/drawing/2014/main" id="{0BD06EF0-52A7-369C-997C-DD8BD22B7202}"/>
               </a:ext>
             </a:extLst>
           </p:cNvPr>
@@ -2427,7 +2427,7 @@
           <a:bodyPr/>
           <a:lstStyle/>
           <a:p>
-            <a:fld id="{B4FC5918-D971-4819-91E3-202562FEA66E}" type="slidenum">
+            <a:fld id="{39F86271-C28D-4075-A4A1-D81616E63E64}" type="slidenum">
               <a:rPr lang="zh-CN" altLang="en-US" smtClean="0"/>
               <a:t>‹#›</a:t>
             </a:fld>
@@ -2438,7 +2438,7 @@
     </p:spTree>
     <p:extLst>
       <p:ext uri="{BB962C8B-B14F-4D97-AF65-F5344CB8AC3E}">
-        <p14:creationId xmlns:p14="http://schemas.microsoft.com/office/powerpoint/2010/main" val="3023463522"/>
+        <p14:creationId xmlns:p14="http://schemas.microsoft.com/office/powerpoint/2010/main" val="2357235765"/>
       </p:ext>
     </p:extLst>
   </p:cSld>
@@ -2470,7 +2470,7 @@
           <p:cNvPr id="2" name="标题 1">
             <a:extLst>
               <a:ext uri="{FF2B5EF4-FFF2-40B4-BE49-F238E27FC236}">
-                <a16:creationId xmlns:a16="http://schemas.microsoft.com/office/drawing/2014/main" id="{6EFA828D-6744-847E-FBF2-A7BF4032F6CE}"/>
+                <a16:creationId xmlns:a16="http://schemas.microsoft.com/office/drawing/2014/main" id="{6BADB68F-260B-C05C-35E2-ADCCF229A0BF}"/>
               </a:ext>
             </a:extLst>
           </p:cNvPr>
@@ -2507,7 +2507,7 @@
           <p:cNvPr id="3" name="图片占位符 2">
             <a:extLst>
               <a:ext uri="{FF2B5EF4-FFF2-40B4-BE49-F238E27FC236}">
-                <a16:creationId xmlns:a16="http://schemas.microsoft.com/office/drawing/2014/main" id="{E8955C22-1D5F-032F-EF5E-D98CFBBFCFA5}"/>
+                <a16:creationId xmlns:a16="http://schemas.microsoft.com/office/drawing/2014/main" id="{6FDD6AA8-BDA4-7879-7634-08CA36CC4284}"/>
               </a:ext>
             </a:extLst>
           </p:cNvPr>
@@ -2574,7 +2574,7 @@
           <p:cNvPr id="4" name="文本占位符 3">
             <a:extLst>
               <a:ext uri="{FF2B5EF4-FFF2-40B4-BE49-F238E27FC236}">
-                <a16:creationId xmlns:a16="http://schemas.microsoft.com/office/drawing/2014/main" id="{FB52DBF2-E429-9211-653F-513339AFA30C}"/>
+                <a16:creationId xmlns:a16="http://schemas.microsoft.com/office/drawing/2014/main" id="{15AAFFDC-0EB4-8348-7416-B35AC71E2F8B}"/>
               </a:ext>
             </a:extLst>
           </p:cNvPr>
@@ -2645,7 +2645,7 @@
           <p:cNvPr id="5" name="日期占位符 4">
             <a:extLst>
               <a:ext uri="{FF2B5EF4-FFF2-40B4-BE49-F238E27FC236}">
-                <a16:creationId xmlns:a16="http://schemas.microsoft.com/office/drawing/2014/main" id="{661D6320-94B9-965E-1463-86C43A9F4BEB}"/>
+                <a16:creationId xmlns:a16="http://schemas.microsoft.com/office/drawing/2014/main" id="{4ED7F4A2-FEC6-1D59-E385-29688E11A2C3}"/>
               </a:ext>
             </a:extLst>
           </p:cNvPr>
@@ -2661,7 +2661,7 @@
           <a:bodyPr/>
           <a:lstStyle/>
           <a:p>
-            <a:fld id="{9D843C62-AA05-4828-AA80-7B9630A00BA6}" type="datetimeFigureOut">
+            <a:fld id="{B367C670-0205-4189-AC7B-70E314F13961}" type="datetimeFigureOut">
               <a:rPr lang="zh-CN" altLang="en-US" smtClean="0"/>
               <a:t>2024/3/10</a:t>
             </a:fld>
@@ -2674,7 +2674,7 @@
           <p:cNvPr id="6" name="页脚占位符 5">
             <a:extLst>
               <a:ext uri="{FF2B5EF4-FFF2-40B4-BE49-F238E27FC236}">
-                <a16:creationId xmlns:a16="http://schemas.microsoft.com/office/drawing/2014/main" id="{C230D0B3-FA1C-98A5-F279-777CEB2B646C}"/>
+                <a16:creationId xmlns:a16="http://schemas.microsoft.com/office/drawing/2014/main" id="{3AB4C10D-59F7-25F5-B898-CDCE9087F820}"/>
               </a:ext>
             </a:extLst>
           </p:cNvPr>
@@ -2699,7 +2699,7 @@
           <p:cNvPr id="7" name="灯片编号占位符 6">
             <a:extLst>
               <a:ext uri="{FF2B5EF4-FFF2-40B4-BE49-F238E27FC236}">
-                <a16:creationId xmlns:a16="http://schemas.microsoft.com/office/drawing/2014/main" id="{68E9653F-9F00-6148-2457-3CEC1EC594F5}"/>
+                <a16:creationId xmlns:a16="http://schemas.microsoft.com/office/drawing/2014/main" id="{F0517C3A-9728-E274-C12F-5C10DAC7E03C}"/>
               </a:ext>
             </a:extLst>
           </p:cNvPr>
@@ -2715,7 +2715,7 @@
           <a:bodyPr/>
           <a:lstStyle/>
           <a:p>
-            <a:fld id="{B4FC5918-D971-4819-91E3-202562FEA66E}" type="slidenum">
+            <a:fld id="{39F86271-C28D-4075-A4A1-D81616E63E64}" type="slidenum">
               <a:rPr lang="zh-CN" altLang="en-US" smtClean="0"/>
               <a:t>‹#›</a:t>
             </a:fld>
@@ -2726,7 +2726,7 @@
     </p:spTree>
     <p:extLst>
       <p:ext uri="{BB962C8B-B14F-4D97-AF65-F5344CB8AC3E}">
-        <p14:creationId xmlns:p14="http://schemas.microsoft.com/office/powerpoint/2010/main" val="3154160155"/>
+        <p14:creationId xmlns:p14="http://schemas.microsoft.com/office/powerpoint/2010/main" val="861696538"/>
       </p:ext>
     </p:extLst>
   </p:cSld>
@@ -2763,7 +2763,7 @@
           <p:cNvPr id="2" name="标题占位符 1">
             <a:extLst>
               <a:ext uri="{FF2B5EF4-FFF2-40B4-BE49-F238E27FC236}">
-                <a16:creationId xmlns:a16="http://schemas.microsoft.com/office/drawing/2014/main" id="{0E8B4221-78E7-55E5-8CF0-19B640701A58}"/>
+                <a16:creationId xmlns:a16="http://schemas.microsoft.com/office/drawing/2014/main" id="{58C339EC-26D9-8C24-16E5-DAE7E16055A1}"/>
               </a:ext>
             </a:extLst>
           </p:cNvPr>
@@ -2801,7 +2801,7 @@
           <p:cNvPr id="3" name="文本占位符 2">
             <a:extLst>
               <a:ext uri="{FF2B5EF4-FFF2-40B4-BE49-F238E27FC236}">
-                <a16:creationId xmlns:a16="http://schemas.microsoft.com/office/drawing/2014/main" id="{BFC30B88-719F-74B7-72A3-6805B68CD97C}"/>
+                <a16:creationId xmlns:a16="http://schemas.microsoft.com/office/drawing/2014/main" id="{4AF7CB66-698D-D046-C6F9-79A67B89B6CF}"/>
               </a:ext>
             </a:extLst>
           </p:cNvPr>
@@ -2868,7 +2868,7 @@
           <p:cNvPr id="4" name="日期占位符 3">
             <a:extLst>
               <a:ext uri="{FF2B5EF4-FFF2-40B4-BE49-F238E27FC236}">
-                <a16:creationId xmlns:a16="http://schemas.microsoft.com/office/drawing/2014/main" id="{C41B7170-34CD-DD78-EEDD-215A6B317093}"/>
+                <a16:creationId xmlns:a16="http://schemas.microsoft.com/office/drawing/2014/main" id="{94B62763-D844-B01C-3275-6D3BE101DBA4}"/>
               </a:ext>
             </a:extLst>
           </p:cNvPr>
@@ -2902,7 +2902,7 @@
             </a:lvl1pPr>
           </a:lstStyle>
           <a:p>
-            <a:fld id="{9D843C62-AA05-4828-AA80-7B9630A00BA6}" type="datetimeFigureOut">
+            <a:fld id="{B367C670-0205-4189-AC7B-70E314F13961}" type="datetimeFigureOut">
               <a:rPr lang="zh-CN" altLang="en-US" smtClean="0"/>
               <a:t>2024/3/10</a:t>
             </a:fld>
@@ -2915,7 +2915,7 @@
           <p:cNvPr id="5" name="页脚占位符 4">
             <a:extLst>
               <a:ext uri="{FF2B5EF4-FFF2-40B4-BE49-F238E27FC236}">
-                <a16:creationId xmlns:a16="http://schemas.microsoft.com/office/drawing/2014/main" id="{648318B6-5573-AB0F-9A56-8CCF8DE253AB}"/>
+                <a16:creationId xmlns:a16="http://schemas.microsoft.com/office/drawing/2014/main" id="{704A0B0E-ADB8-EDAF-E08A-B04DD0BA4943}"/>
               </a:ext>
             </a:extLst>
           </p:cNvPr>
@@ -2958,7 +2958,7 @@
           <p:cNvPr id="6" name="灯片编号占位符 5">
             <a:extLst>
               <a:ext uri="{FF2B5EF4-FFF2-40B4-BE49-F238E27FC236}">
-                <a16:creationId xmlns:a16="http://schemas.microsoft.com/office/drawing/2014/main" id="{0C495B39-436A-5A0C-5BE2-C9FB214A38FE}"/>
+                <a16:creationId xmlns:a16="http://schemas.microsoft.com/office/drawing/2014/main" id="{4D9CB34B-F4B3-100D-5324-10CE1EA1C116}"/>
               </a:ext>
             </a:extLst>
           </p:cNvPr>
@@ -2992,7 +2992,7 @@
             </a:lvl1pPr>
           </a:lstStyle>
           <a:p>
-            <a:fld id="{B4FC5918-D971-4819-91E3-202562FEA66E}" type="slidenum">
+            <a:fld id="{39F86271-C28D-4075-A4A1-D81616E63E64}" type="slidenum">
               <a:rPr lang="zh-CN" altLang="en-US" smtClean="0"/>
               <a:t>‹#›</a:t>
             </a:fld>
@@ -3003,7 +3003,7 @@
     </p:spTree>
     <p:extLst>
       <p:ext uri="{BB962C8B-B14F-4D97-AF65-F5344CB8AC3E}">
-        <p14:creationId xmlns:p14="http://schemas.microsoft.com/office/powerpoint/2010/main" val="1636269773"/>
+        <p14:creationId xmlns:p14="http://schemas.microsoft.com/office/powerpoint/2010/main" val="902322607"/>
       </p:ext>
     </p:extLst>
   </p:cSld>
@@ -3323,7 +3323,7 @@
       </p:grpSpPr>
       <p:pic>
         <p:nvPicPr>
-          <p:cNvPr id="943106" name="Picture 2" descr="920"/>
+          <p:cNvPr id="944130" name="Picture 2" descr="921"/>
           <p:cNvPicPr>
             <a:picLocks noChangeAspect="1" noChangeArrowheads="1"/>
           </p:cNvPicPr>
@@ -3344,8 +3344,8 @@
         </p:blipFill>
         <p:spPr bwMode="auto">
           <a:xfrm>
-            <a:off x="1524001" y="0"/>
-            <a:ext cx="9053513" cy="6789738"/>
+            <a:off x="1524000" y="0"/>
+            <a:ext cx="9144000" cy="6858000"/>
           </a:xfrm>
           <a:prstGeom prst="rect">
             <a:avLst/>
@@ -3377,7 +3377,7 @@
       </p:pic>
       <p:pic>
         <p:nvPicPr>
-          <p:cNvPr id="944131" name="Picture 3" descr="920-2"/>
+          <p:cNvPr id="945155" name="Picture 3" descr="921-2"/>
           <p:cNvPicPr>
             <a:picLocks noChangeAspect="1" noChangeArrowheads="1"/>
           </p:cNvPicPr>
@@ -3398,8 +3398,8 @@
         </p:blipFill>
         <p:spPr bwMode="auto">
           <a:xfrm>
-            <a:off x="1524000" y="14288"/>
-            <a:ext cx="9124950" cy="6843712"/>
+            <a:off x="1524000" y="0"/>
+            <a:ext cx="9144000" cy="6858000"/>
           </a:xfrm>
           <a:prstGeom prst="rect">
             <a:avLst/>
@@ -3478,7 +3478,7 @@
                                           </p:stCondLst>
                                         </p:cTn>
                                         <p:tgtEl>
-                                          <p:spTgt spid="944131"/>
+                                          <p:spTgt spid="945155"/>
                                         </p:tgtEl>
                                         <p:attrNameLst>
                                           <p:attrName>style.visibility</p:attrName>
@@ -3492,7 +3492,7 @@
                                       <p:cBhvr>
                                         <p:cTn id="7" dur="500"/>
                                         <p:tgtEl>
-                                          <p:spTgt spid="944131"/>
+                                          <p:spTgt spid="945155"/>
                                         </p:tgtEl>
                                       </p:cBhvr>
                                     </p:animEffect>
